--- a/slides/sdn-prog-lab.pptx
+++ b/slides/sdn-prog-lab.pptx
@@ -5,19 +5,18 @@
     <p:sldMasterId id="2147483660" r:id="rId1"/>
   </p:sldMasterIdLst>
   <p:notesMasterIdLst>
-    <p:notesMasterId r:id="rId9"/>
+    <p:notesMasterId r:id="rId8"/>
   </p:notesMasterIdLst>
   <p:handoutMasterIdLst>
-    <p:handoutMasterId r:id="rId10"/>
+    <p:handoutMasterId r:id="rId9"/>
   </p:handoutMasterIdLst>
   <p:sldIdLst>
-    <p:sldId id="284" r:id="rId2"/>
-    <p:sldId id="267" r:id="rId3"/>
-    <p:sldId id="280" r:id="rId4"/>
-    <p:sldId id="281" r:id="rId5"/>
-    <p:sldId id="282" r:id="rId6"/>
-    <p:sldId id="283" r:id="rId7"/>
-    <p:sldId id="274" r:id="rId8"/>
+    <p:sldId id="267" r:id="rId2"/>
+    <p:sldId id="280" r:id="rId3"/>
+    <p:sldId id="281" r:id="rId4"/>
+    <p:sldId id="282" r:id="rId5"/>
+    <p:sldId id="283" r:id="rId6"/>
+    <p:sldId id="274" r:id="rId7"/>
   </p:sldIdLst>
   <p:sldSz cx="12192000" cy="6858000"/>
   <p:notesSz cx="6858000" cy="9144000"/>
@@ -993,7 +992,7 @@
             <a:fld id="{03C92CC8-7E75-864B-BC8A-CDD76A5E7CA1}" type="slidenum">
               <a:rPr lang="en-US" altLang="en-US"/>
               <a:pPr/>
-              <a:t>5</a:t>
+              <a:t>4</a:t>
             </a:fld>
             <a:endParaRPr lang="en-US" altLang="en-US"/>
           </a:p>
@@ -4306,770 +4305,6 @@
       </p:grpSpPr>
       <p:sp>
         <p:nvSpPr>
-          <p:cNvPr id="7" name="Rectangle 6"/>
-          <p:cNvSpPr/>
-          <p:nvPr/>
-        </p:nvSpPr>
-        <p:spPr>
-          <a:xfrm>
-            <a:off x="8825346" y="277092"/>
-            <a:ext cx="2687781" cy="4114799"/>
-          </a:xfrm>
-          <a:prstGeom prst="rect">
-            <a:avLst/>
-          </a:prstGeom>
-        </p:spPr>
-        <p:style>
-          <a:lnRef idx="2">
-            <a:schemeClr val="accent1">
-              <a:shade val="50000"/>
-            </a:schemeClr>
-          </a:lnRef>
-          <a:fillRef idx="1">
-            <a:schemeClr val="accent1"/>
-          </a:fillRef>
-          <a:effectRef idx="0">
-            <a:schemeClr val="accent1"/>
-          </a:effectRef>
-          <a:fontRef idx="minor">
-            <a:schemeClr val="lt1"/>
-          </a:fontRef>
-        </p:style>
-        <p:txBody>
-          <a:bodyPr rtlCol="0" anchor="ctr"/>
-          <a:lstStyle/>
-          <a:p>
-            <a:pPr algn="ctr"/>
-            <a:endParaRPr lang="en-US"/>
-          </a:p>
-        </p:txBody>
-      </p:sp>
-      <p:sp>
-        <p:nvSpPr>
-          <p:cNvPr id="8" name="Rectangle 7"/>
-          <p:cNvSpPr/>
-          <p:nvPr/>
-        </p:nvSpPr>
-        <p:spPr>
-          <a:xfrm>
-            <a:off x="6137565" y="277092"/>
-            <a:ext cx="2687781" cy="5153890"/>
-          </a:xfrm>
-          <a:prstGeom prst="rect">
-            <a:avLst/>
-          </a:prstGeom>
-        </p:spPr>
-        <p:style>
-          <a:lnRef idx="2">
-            <a:schemeClr val="accent1">
-              <a:shade val="50000"/>
-            </a:schemeClr>
-          </a:lnRef>
-          <a:fillRef idx="1">
-            <a:schemeClr val="accent1"/>
-          </a:fillRef>
-          <a:effectRef idx="0">
-            <a:schemeClr val="accent1"/>
-          </a:effectRef>
-          <a:fontRef idx="minor">
-            <a:schemeClr val="lt1"/>
-          </a:fontRef>
-        </p:style>
-        <p:txBody>
-          <a:bodyPr rtlCol="0" anchor="ctr"/>
-          <a:lstStyle/>
-          <a:p>
-            <a:pPr algn="ctr"/>
-            <a:endParaRPr lang="en-US"/>
-          </a:p>
-        </p:txBody>
-      </p:sp>
-      <p:sp>
-        <p:nvSpPr>
-          <p:cNvPr id="9" name="Rectangle 8"/>
-          <p:cNvSpPr/>
-          <p:nvPr/>
-        </p:nvSpPr>
-        <p:spPr>
-          <a:xfrm>
-            <a:off x="3449784" y="277092"/>
-            <a:ext cx="2687781" cy="5153890"/>
-          </a:xfrm>
-          <a:prstGeom prst="rect">
-            <a:avLst/>
-          </a:prstGeom>
-        </p:spPr>
-        <p:style>
-          <a:lnRef idx="2">
-            <a:schemeClr val="accent1">
-              <a:shade val="50000"/>
-            </a:schemeClr>
-          </a:lnRef>
-          <a:fillRef idx="1">
-            <a:schemeClr val="accent1"/>
-          </a:fillRef>
-          <a:effectRef idx="0">
-            <a:schemeClr val="accent1"/>
-          </a:effectRef>
-          <a:fontRef idx="minor">
-            <a:schemeClr val="lt1"/>
-          </a:fontRef>
-        </p:style>
-        <p:txBody>
-          <a:bodyPr rtlCol="0" anchor="ctr"/>
-          <a:lstStyle/>
-          <a:p>
-            <a:pPr algn="ctr"/>
-            <a:endParaRPr lang="en-US"/>
-          </a:p>
-        </p:txBody>
-      </p:sp>
-      <p:sp>
-        <p:nvSpPr>
-          <p:cNvPr id="10" name="Rectangle 9"/>
-          <p:cNvSpPr/>
-          <p:nvPr/>
-        </p:nvSpPr>
-        <p:spPr>
-          <a:xfrm>
-            <a:off x="651165" y="5733063"/>
-            <a:ext cx="2687781" cy="748145"/>
-          </a:xfrm>
-          <a:prstGeom prst="rect">
-            <a:avLst/>
-          </a:prstGeom>
-        </p:spPr>
-        <p:style>
-          <a:lnRef idx="2">
-            <a:schemeClr val="accent1">
-              <a:shade val="50000"/>
-            </a:schemeClr>
-          </a:lnRef>
-          <a:fillRef idx="1">
-            <a:schemeClr val="accent1"/>
-          </a:fillRef>
-          <a:effectRef idx="0">
-            <a:schemeClr val="accent1"/>
-          </a:effectRef>
-          <a:fontRef idx="minor">
-            <a:schemeClr val="lt1"/>
-          </a:fontRef>
-        </p:style>
-        <p:txBody>
-          <a:bodyPr rtlCol="0" anchor="ctr"/>
-          <a:lstStyle/>
-          <a:p>
-            <a:pPr algn="ctr"/>
-            <a:r>
-              <a:rPr lang="en-US" dirty="0" smtClean="0"/>
-              <a:t>Open Gala</a:t>
-            </a:r>
-            <a:endParaRPr lang="en-US" dirty="0"/>
-          </a:p>
-        </p:txBody>
-      </p:sp>
-      <p:sp>
-        <p:nvSpPr>
-          <p:cNvPr id="11" name="Rectangle 10"/>
-          <p:cNvSpPr/>
-          <p:nvPr/>
-        </p:nvSpPr>
-        <p:spPr>
-          <a:xfrm>
-            <a:off x="3449783" y="637309"/>
-            <a:ext cx="2687781" cy="568036"/>
-          </a:xfrm>
-          <a:prstGeom prst="rect">
-            <a:avLst/>
-          </a:prstGeom>
-          <a:solidFill>
-            <a:schemeClr val="accent6">
-              <a:lumMod val="75000"/>
-            </a:schemeClr>
-          </a:solidFill>
-        </p:spPr>
-        <p:style>
-          <a:lnRef idx="2">
-            <a:schemeClr val="accent1">
-              <a:shade val="50000"/>
-            </a:schemeClr>
-          </a:lnRef>
-          <a:fillRef idx="1">
-            <a:schemeClr val="accent1"/>
-          </a:fillRef>
-          <a:effectRef idx="0">
-            <a:schemeClr val="accent1"/>
-          </a:effectRef>
-          <a:fontRef idx="minor">
-            <a:schemeClr val="lt1"/>
-          </a:fontRef>
-        </p:style>
-        <p:txBody>
-          <a:bodyPr rtlCol="0" anchor="ctr"/>
-          <a:lstStyle/>
-          <a:p>
-            <a:pPr algn="ctr"/>
-            <a:r>
-              <a:rPr lang="en-US" sz="1400" dirty="0" smtClean="0"/>
-              <a:t>Presentation: SDN Programmable Science Networks: New Tools [Richard]</a:t>
-            </a:r>
-            <a:endParaRPr lang="en-US" sz="1400" dirty="0"/>
-          </a:p>
-        </p:txBody>
-      </p:sp>
-      <p:sp>
-        <p:nvSpPr>
-          <p:cNvPr id="4" name="TextBox 3"/>
-          <p:cNvSpPr txBox="1"/>
-          <p:nvPr/>
-        </p:nvSpPr>
-        <p:spPr>
-          <a:xfrm>
-            <a:off x="2759898" y="123203"/>
-            <a:ext cx="681597" cy="307777"/>
-          </a:xfrm>
-          <a:prstGeom prst="rect">
-            <a:avLst/>
-          </a:prstGeom>
-          <a:noFill/>
-        </p:spPr>
-        <p:txBody>
-          <a:bodyPr wrap="none" rtlCol="0">
-            <a:spAutoFit/>
-          </a:bodyPr>
-          <a:lstStyle/>
-          <a:p>
-            <a:r>
-              <a:rPr lang="en-US" sz="1400" smtClean="0"/>
-              <a:t>10 am</a:t>
-            </a:r>
-            <a:endParaRPr lang="en-US" sz="1400"/>
-          </a:p>
-        </p:txBody>
-      </p:sp>
-      <p:sp>
-        <p:nvSpPr>
-          <p:cNvPr id="13" name="TextBox 12"/>
-          <p:cNvSpPr txBox="1"/>
-          <p:nvPr/>
-        </p:nvSpPr>
-        <p:spPr>
-          <a:xfrm>
-            <a:off x="2808169" y="5194453"/>
-            <a:ext cx="585054" cy="307777"/>
-          </a:xfrm>
-          <a:prstGeom prst="rect">
-            <a:avLst/>
-          </a:prstGeom>
-          <a:noFill/>
-        </p:spPr>
-        <p:txBody>
-          <a:bodyPr wrap="square" rtlCol="0">
-            <a:spAutoFit/>
-          </a:bodyPr>
-          <a:lstStyle/>
-          <a:p>
-            <a:r>
-              <a:rPr lang="en-US" sz="1400" dirty="0" smtClean="0"/>
-              <a:t>6 </a:t>
-            </a:r>
-            <a:r>
-              <a:rPr lang="en-US" sz="1400" dirty="0"/>
-              <a:t>p</a:t>
-            </a:r>
-            <a:r>
-              <a:rPr lang="en-US" sz="1400" dirty="0" smtClean="0"/>
-              <a:t>m</a:t>
-            </a:r>
-            <a:endParaRPr lang="en-US" sz="1400" dirty="0"/>
-          </a:p>
-        </p:txBody>
-      </p:sp>
-      <p:sp>
-        <p:nvSpPr>
-          <p:cNvPr id="14" name="TextBox 13"/>
-          <p:cNvSpPr txBox="1"/>
-          <p:nvPr/>
-        </p:nvSpPr>
-        <p:spPr>
-          <a:xfrm>
-            <a:off x="66111" y="5579174"/>
-            <a:ext cx="585054" cy="307777"/>
-          </a:xfrm>
-          <a:prstGeom prst="rect">
-            <a:avLst/>
-          </a:prstGeom>
-          <a:noFill/>
-        </p:spPr>
-        <p:txBody>
-          <a:bodyPr wrap="square" rtlCol="0">
-            <a:spAutoFit/>
-          </a:bodyPr>
-          <a:lstStyle/>
-          <a:p>
-            <a:r>
-              <a:rPr lang="en-US" sz="1400" dirty="0"/>
-              <a:t>7</a:t>
-            </a:r>
-            <a:r>
-              <a:rPr lang="en-US" sz="1400" dirty="0" smtClean="0"/>
-              <a:t> </a:t>
-            </a:r>
-            <a:r>
-              <a:rPr lang="en-US" sz="1400" dirty="0"/>
-              <a:t>p</a:t>
-            </a:r>
-            <a:r>
-              <a:rPr lang="en-US" sz="1400" dirty="0" smtClean="0"/>
-              <a:t>m</a:t>
-            </a:r>
-            <a:endParaRPr lang="en-US" sz="1400" dirty="0"/>
-          </a:p>
-        </p:txBody>
-      </p:sp>
-      <p:sp>
-        <p:nvSpPr>
-          <p:cNvPr id="15" name="TextBox 14"/>
-          <p:cNvSpPr txBox="1"/>
-          <p:nvPr/>
-        </p:nvSpPr>
-        <p:spPr>
-          <a:xfrm>
-            <a:off x="69275" y="6177381"/>
-            <a:ext cx="585054" cy="307777"/>
-          </a:xfrm>
-          <a:prstGeom prst="rect">
-            <a:avLst/>
-          </a:prstGeom>
-          <a:noFill/>
-        </p:spPr>
-        <p:txBody>
-          <a:bodyPr wrap="square" rtlCol="0">
-            <a:spAutoFit/>
-          </a:bodyPr>
-          <a:lstStyle/>
-          <a:p>
-            <a:r>
-              <a:rPr lang="en-US" sz="1400" dirty="0"/>
-              <a:t>9</a:t>
-            </a:r>
-            <a:r>
-              <a:rPr lang="en-US" sz="1400" dirty="0" smtClean="0"/>
-              <a:t> </a:t>
-            </a:r>
-            <a:r>
-              <a:rPr lang="en-US" sz="1400" dirty="0"/>
-              <a:t>p</a:t>
-            </a:r>
-            <a:r>
-              <a:rPr lang="en-US" sz="1400" dirty="0" smtClean="0"/>
-              <a:t>m</a:t>
-            </a:r>
-            <a:endParaRPr lang="en-US" sz="1400" dirty="0"/>
-          </a:p>
-        </p:txBody>
-      </p:sp>
-      <p:sp>
-        <p:nvSpPr>
-          <p:cNvPr id="16" name="TextBox 15"/>
-          <p:cNvSpPr txBox="1"/>
-          <p:nvPr/>
-        </p:nvSpPr>
-        <p:spPr>
-          <a:xfrm>
-            <a:off x="11532549" y="4084114"/>
-            <a:ext cx="585054" cy="307777"/>
-          </a:xfrm>
-          <a:prstGeom prst="rect">
-            <a:avLst/>
-          </a:prstGeom>
-          <a:noFill/>
-        </p:spPr>
-        <p:txBody>
-          <a:bodyPr wrap="square" rtlCol="0">
-            <a:spAutoFit/>
-          </a:bodyPr>
-          <a:lstStyle/>
-          <a:p>
-            <a:r>
-              <a:rPr lang="en-US" sz="1400" dirty="0" smtClean="0"/>
-              <a:t>3 </a:t>
-            </a:r>
-            <a:r>
-              <a:rPr lang="en-US" sz="1400" dirty="0"/>
-              <a:t>p</a:t>
-            </a:r>
-            <a:r>
-              <a:rPr lang="en-US" sz="1400" dirty="0" smtClean="0"/>
-              <a:t>m</a:t>
-            </a:r>
-            <a:endParaRPr lang="en-US" sz="1400" dirty="0"/>
-          </a:p>
-        </p:txBody>
-      </p:sp>
-      <p:sp>
-        <p:nvSpPr>
-          <p:cNvPr id="17" name="TextBox 16"/>
-          <p:cNvSpPr txBox="1"/>
-          <p:nvPr/>
-        </p:nvSpPr>
-        <p:spPr>
-          <a:xfrm>
-            <a:off x="2519719" y="479470"/>
-            <a:ext cx="930063" cy="307777"/>
-          </a:xfrm>
-          <a:prstGeom prst="rect">
-            <a:avLst/>
-          </a:prstGeom>
-          <a:noFill/>
-        </p:spPr>
-        <p:txBody>
-          <a:bodyPr wrap="none" rtlCol="0">
-            <a:spAutoFit/>
-          </a:bodyPr>
-          <a:lstStyle/>
-          <a:p>
-            <a:r>
-              <a:rPr lang="en-US" sz="1400" smtClean="0"/>
-              <a:t>10:30 am</a:t>
-            </a:r>
-            <a:endParaRPr lang="en-US" sz="1400"/>
-          </a:p>
-        </p:txBody>
-      </p:sp>
-      <p:sp>
-        <p:nvSpPr>
-          <p:cNvPr id="18" name="TextBox 17"/>
-          <p:cNvSpPr txBox="1"/>
-          <p:nvPr/>
-        </p:nvSpPr>
-        <p:spPr>
-          <a:xfrm>
-            <a:off x="2500298" y="1017107"/>
-            <a:ext cx="916789" cy="307777"/>
-          </a:xfrm>
-          <a:prstGeom prst="rect">
-            <a:avLst/>
-          </a:prstGeom>
-          <a:noFill/>
-        </p:spPr>
-        <p:txBody>
-          <a:bodyPr wrap="none" rtlCol="0">
-            <a:spAutoFit/>
-          </a:bodyPr>
-          <a:lstStyle/>
-          <a:p>
-            <a:r>
-              <a:rPr lang="en-US" sz="1400" dirty="0" smtClean="0"/>
-              <a:t>11:00 am</a:t>
-            </a:r>
-            <a:endParaRPr lang="en-US" sz="1400" dirty="0"/>
-          </a:p>
-        </p:txBody>
-      </p:sp>
-      <p:sp>
-        <p:nvSpPr>
-          <p:cNvPr id="19" name="Rectangle 18"/>
-          <p:cNvSpPr/>
-          <p:nvPr/>
-        </p:nvSpPr>
-        <p:spPr>
-          <a:xfrm>
-            <a:off x="6118143" y="637309"/>
-            <a:ext cx="2687781" cy="568036"/>
-          </a:xfrm>
-          <a:prstGeom prst="rect">
-            <a:avLst/>
-          </a:prstGeom>
-          <a:solidFill>
-            <a:schemeClr val="accent6">
-              <a:lumMod val="75000"/>
-            </a:schemeClr>
-          </a:solidFill>
-        </p:spPr>
-        <p:style>
-          <a:lnRef idx="2">
-            <a:schemeClr val="accent1">
-              <a:shade val="50000"/>
-            </a:schemeClr>
-          </a:lnRef>
-          <a:fillRef idx="1">
-            <a:schemeClr val="accent1"/>
-          </a:fillRef>
-          <a:effectRef idx="0">
-            <a:schemeClr val="accent1"/>
-          </a:effectRef>
-          <a:fontRef idx="minor">
-            <a:schemeClr val="lt1"/>
-          </a:fontRef>
-        </p:style>
-        <p:txBody>
-          <a:bodyPr rtlCol="0" anchor="ctr"/>
-          <a:lstStyle/>
-          <a:p>
-            <a:pPr algn="ctr"/>
-            <a:r>
-              <a:rPr lang="en-US" sz="1400" dirty="0" smtClean="0"/>
-              <a:t>Presentation: SDN Programmable Science Networks: New Tools [?]</a:t>
-            </a:r>
-            <a:endParaRPr lang="en-US" sz="1400" dirty="0"/>
-          </a:p>
-        </p:txBody>
-      </p:sp>
-      <p:sp>
-        <p:nvSpPr>
-          <p:cNvPr id="20" name="Rectangle 19"/>
-          <p:cNvSpPr/>
-          <p:nvPr/>
-        </p:nvSpPr>
-        <p:spPr>
-          <a:xfrm>
-            <a:off x="8805923" y="637309"/>
-            <a:ext cx="2687781" cy="568036"/>
-          </a:xfrm>
-          <a:prstGeom prst="rect">
-            <a:avLst/>
-          </a:prstGeom>
-          <a:solidFill>
-            <a:schemeClr val="accent6">
-              <a:lumMod val="75000"/>
-            </a:schemeClr>
-          </a:solidFill>
-        </p:spPr>
-        <p:style>
-          <a:lnRef idx="2">
-            <a:schemeClr val="accent1">
-              <a:shade val="50000"/>
-            </a:schemeClr>
-          </a:lnRef>
-          <a:fillRef idx="1">
-            <a:schemeClr val="accent1"/>
-          </a:fillRef>
-          <a:effectRef idx="0">
-            <a:schemeClr val="accent1"/>
-          </a:effectRef>
-          <a:fontRef idx="minor">
-            <a:schemeClr val="lt1"/>
-          </a:fontRef>
-        </p:style>
-        <p:txBody>
-          <a:bodyPr rtlCol="0" anchor="ctr"/>
-          <a:lstStyle/>
-          <a:p>
-            <a:pPr algn="ctr"/>
-            <a:r>
-              <a:rPr lang="en-US" sz="1400" dirty="0" smtClean="0"/>
-              <a:t>Presentation: SDN Programmable Science Networks: New Tools [?]</a:t>
-            </a:r>
-            <a:endParaRPr lang="en-US" sz="1400" dirty="0"/>
-          </a:p>
-        </p:txBody>
-      </p:sp>
-      <p:sp>
-        <p:nvSpPr>
-          <p:cNvPr id="21" name="Rectangle 20"/>
-          <p:cNvSpPr/>
-          <p:nvPr/>
-        </p:nvSpPr>
-        <p:spPr>
-          <a:xfrm>
-            <a:off x="3469207" y="2717422"/>
-            <a:ext cx="2687781" cy="568036"/>
-          </a:xfrm>
-          <a:prstGeom prst="rect">
-            <a:avLst/>
-          </a:prstGeom>
-          <a:solidFill>
-            <a:schemeClr val="accent4">
-              <a:lumMod val="75000"/>
-            </a:schemeClr>
-          </a:solidFill>
-        </p:spPr>
-        <p:style>
-          <a:lnRef idx="2">
-            <a:schemeClr val="accent1">
-              <a:shade val="50000"/>
-            </a:schemeClr>
-          </a:lnRef>
-          <a:fillRef idx="1">
-            <a:schemeClr val="accent1"/>
-          </a:fillRef>
-          <a:effectRef idx="0">
-            <a:schemeClr val="accent1"/>
-          </a:effectRef>
-          <a:fontRef idx="minor">
-            <a:schemeClr val="lt1"/>
-          </a:fontRef>
-        </p:style>
-        <p:txBody>
-          <a:bodyPr rtlCol="0" anchor="ctr"/>
-          <a:lstStyle/>
-          <a:p>
-            <a:pPr algn="ctr"/>
-            <a:r>
-              <a:rPr lang="en-US" sz="1400" dirty="0" smtClean="0"/>
-              <a:t>Lab: SDN Programmable Science Networks: New Tools [May; Jensen helps]</a:t>
-            </a:r>
-            <a:endParaRPr lang="en-US" sz="1400" dirty="0"/>
-          </a:p>
-        </p:txBody>
-      </p:sp>
-      <p:sp>
-        <p:nvSpPr>
-          <p:cNvPr id="22" name="TextBox 21"/>
-          <p:cNvSpPr txBox="1"/>
-          <p:nvPr/>
-        </p:nvSpPr>
-        <p:spPr>
-          <a:xfrm>
-            <a:off x="2539143" y="2559583"/>
-            <a:ext cx="930063" cy="307777"/>
-          </a:xfrm>
-          <a:prstGeom prst="rect">
-            <a:avLst/>
-          </a:prstGeom>
-          <a:noFill/>
-        </p:spPr>
-        <p:txBody>
-          <a:bodyPr wrap="none" rtlCol="0">
-            <a:spAutoFit/>
-          </a:bodyPr>
-          <a:lstStyle/>
-          <a:p>
-            <a:r>
-              <a:rPr lang="en-US" sz="1400" dirty="0" smtClean="0"/>
-              <a:t>01:30 pm</a:t>
-            </a:r>
-            <a:endParaRPr lang="en-US" sz="1400" dirty="0"/>
-          </a:p>
-        </p:txBody>
-      </p:sp>
-      <p:sp>
-        <p:nvSpPr>
-          <p:cNvPr id="23" name="TextBox 22"/>
-          <p:cNvSpPr txBox="1"/>
-          <p:nvPr/>
-        </p:nvSpPr>
-        <p:spPr>
-          <a:xfrm>
-            <a:off x="2519722" y="3097220"/>
-            <a:ext cx="930063" cy="307777"/>
-          </a:xfrm>
-          <a:prstGeom prst="rect">
-            <a:avLst/>
-          </a:prstGeom>
-          <a:noFill/>
-        </p:spPr>
-        <p:txBody>
-          <a:bodyPr wrap="none" rtlCol="0">
-            <a:spAutoFit/>
-          </a:bodyPr>
-          <a:lstStyle/>
-          <a:p>
-            <a:r>
-              <a:rPr lang="en-US" sz="1400" dirty="0" smtClean="0"/>
-              <a:t>02:00 </a:t>
-            </a:r>
-            <a:r>
-              <a:rPr lang="en-US" sz="1400" dirty="0"/>
-              <a:t>p</a:t>
-            </a:r>
-            <a:r>
-              <a:rPr lang="en-US" sz="1400" dirty="0" smtClean="0"/>
-              <a:t>m</a:t>
-            </a:r>
-            <a:endParaRPr lang="en-US" sz="1400" dirty="0"/>
-          </a:p>
-        </p:txBody>
-      </p:sp>
-      <p:sp>
-        <p:nvSpPr>
-          <p:cNvPr id="24" name="Rectangle 23"/>
-          <p:cNvSpPr/>
-          <p:nvPr/>
-        </p:nvSpPr>
-        <p:spPr>
-          <a:xfrm>
-            <a:off x="6166699" y="2736272"/>
-            <a:ext cx="2687781" cy="568036"/>
-          </a:xfrm>
-          <a:prstGeom prst="rect">
-            <a:avLst/>
-          </a:prstGeom>
-          <a:solidFill>
-            <a:schemeClr val="accent4">
-              <a:lumMod val="75000"/>
-            </a:schemeClr>
-          </a:solidFill>
-        </p:spPr>
-        <p:style>
-          <a:lnRef idx="2">
-            <a:schemeClr val="accent1">
-              <a:shade val="50000"/>
-            </a:schemeClr>
-          </a:lnRef>
-          <a:fillRef idx="1">
-            <a:schemeClr val="accent1"/>
-          </a:fillRef>
-          <a:effectRef idx="0">
-            <a:schemeClr val="accent1"/>
-          </a:effectRef>
-          <a:fontRef idx="minor">
-            <a:schemeClr val="lt1"/>
-          </a:fontRef>
-        </p:style>
-        <p:txBody>
-          <a:bodyPr rtlCol="0" anchor="ctr"/>
-          <a:lstStyle/>
-          <a:p>
-            <a:pPr algn="ctr"/>
-            <a:r>
-              <a:rPr lang="en-US" sz="1400" dirty="0" smtClean="0"/>
-              <a:t>Lab: SDN Programmable Science Networks: New Tools [May; Jensen helps]</a:t>
-            </a:r>
-            <a:endParaRPr lang="en-US" sz="1400" dirty="0"/>
-          </a:p>
-        </p:txBody>
-      </p:sp>
-    </p:spTree>
-    <p:extLst>
-      <p:ext uri="{BB962C8B-B14F-4D97-AF65-F5344CB8AC3E}">
-        <p14:creationId xmlns:p14="http://schemas.microsoft.com/office/powerpoint/2010/main" val="21454738"/>
-      </p:ext>
-    </p:extLst>
-  </p:cSld>
-  <p:clrMapOvr>
-    <a:masterClrMapping/>
-  </p:clrMapOvr>
-  <p:timing>
-    <p:tnLst>
-      <p:par>
-        <p:cTn id="1" dur="indefinite" restart="never" nodeType="tmRoot"/>
-      </p:par>
-    </p:tnLst>
-  </p:timing>
-</p:sld>
-</file>
-
-<file path=ppt/slides/slide2.xml><?xml version="1.0" encoding="utf-8"?>
-<p:sld xmlns:a="http://schemas.openxmlformats.org/drawingml/2006/main" xmlns:r="http://schemas.openxmlformats.org/officeDocument/2006/relationships" xmlns:p="http://schemas.openxmlformats.org/presentationml/2006/main">
-  <p:cSld>
-    <p:spTree>
-      <p:nvGrpSpPr>
-        <p:cNvPr id="1" name=""/>
-        <p:cNvGrpSpPr/>
-        <p:nvPr/>
-      </p:nvGrpSpPr>
-      <p:grpSpPr>
-        <a:xfrm>
-          <a:off x="0" y="0"/>
-          <a:ext cx="0" cy="0"/>
-          <a:chOff x="0" y="0"/>
-          <a:chExt cx="0" cy="0"/>
-        </a:xfrm>
-      </p:grpSpPr>
-      <p:sp>
-        <p:nvSpPr>
           <p:cNvPr id="37889" name="Title 1"/>
           <p:cNvSpPr>
             <a:spLocks noGrp="1"/>
@@ -6962,7 +6197,7 @@
 </p:sld>
 </file>
 
-<file path=ppt/slides/slide3.xml><?xml version="1.0" encoding="utf-8"?>
+<file path=ppt/slides/slide2.xml><?xml version="1.0" encoding="utf-8"?>
 <p:sld xmlns:a="http://schemas.openxmlformats.org/drawingml/2006/main" xmlns:r="http://schemas.openxmlformats.org/officeDocument/2006/relationships" xmlns:p="http://schemas.openxmlformats.org/presentationml/2006/main">
   <p:cSld>
     <p:spTree>
@@ -8404,7 +7639,7 @@
 </p:sld>
 </file>
 
-<file path=ppt/slides/slide4.xml><?xml version="1.0" encoding="utf-8"?>
+<file path=ppt/slides/slide3.xml><?xml version="1.0" encoding="utf-8"?>
 <p:sld xmlns:a="http://schemas.openxmlformats.org/drawingml/2006/main" xmlns:r="http://schemas.openxmlformats.org/officeDocument/2006/relationships" xmlns:p="http://schemas.openxmlformats.org/presentationml/2006/main">
   <p:cSld>
     <p:spTree>
@@ -10130,7 +9365,7 @@
 </p:sld>
 </file>
 
-<file path=ppt/slides/slide5.xml><?xml version="1.0" encoding="utf-8"?>
+<file path=ppt/slides/slide4.xml><?xml version="1.0" encoding="utf-8"?>
 <p:sld xmlns:a="http://schemas.openxmlformats.org/drawingml/2006/main" xmlns:r="http://schemas.openxmlformats.org/officeDocument/2006/relationships" xmlns:p="http://schemas.openxmlformats.org/presentationml/2006/main">
   <p:cSld>
     <p:spTree>
@@ -11475,7 +10710,7 @@
 </p:sld>
 </file>
 
-<file path=ppt/slides/slide6.xml><?xml version="1.0" encoding="utf-8"?>
+<file path=ppt/slides/slide5.xml><?xml version="1.0" encoding="utf-8"?>
 <p:sld xmlns:a="http://schemas.openxmlformats.org/drawingml/2006/main" xmlns:r="http://schemas.openxmlformats.org/officeDocument/2006/relationships" xmlns:p="http://schemas.openxmlformats.org/presentationml/2006/main">
   <p:cSld>
     <p:spTree>
@@ -11534,7 +10769,7 @@
 </p:sld>
 </file>
 
-<file path=ppt/slides/slide7.xml><?xml version="1.0" encoding="utf-8"?>
+<file path=ppt/slides/slide6.xml><?xml version="1.0" encoding="utf-8"?>
 <p:sld xmlns:a="http://schemas.openxmlformats.org/drawingml/2006/main" xmlns:r="http://schemas.openxmlformats.org/officeDocument/2006/relationships" xmlns:p="http://schemas.openxmlformats.org/presentationml/2006/main">
   <p:cSld>
     <p:spTree>
